--- a/documentatie/scrum presentaties/sprint 0 plasticvanger.pptx
+++ b/documentatie/scrum presentaties/sprint 0 plasticvanger.pptx
@@ -3618,18 +3618,7 @@
           </a:bodyPr>
           <a:lstStyle/>
           <a:p>
-            <a:r>
-              <a:rPr lang="en-US" dirty="0"/>
-              <a:t>Wat </a:t>
-            </a:r>
-            <a:r>
-              <a:rPr lang="en-US" dirty="0" err="1"/>
-              <a:t>houd</a:t>
-            </a:r>
-            <a:r>
-              <a:rPr lang="en-US" dirty="0"/>
-              <a:t> het project in?</a:t>
-            </a:r>
+            <a:endParaRPr lang="en-US" dirty="0"/>
           </a:p>
         </p:txBody>
       </p:sp>
@@ -3666,74 +3655,6 @@
           </a:prstGeom>
         </p:spPr>
       </p:pic>
-      <p:sp>
-        <p:nvSpPr>
-          <p:cNvPr id="6" name="TextBox 5">
-            <a:extLst>
-              <a:ext uri="{FF2B5EF4-FFF2-40B4-BE49-F238E27FC236}">
-                <a16:creationId xmlns:a16="http://schemas.microsoft.com/office/drawing/2014/main" id="{B2E36AC9-1CA2-232A-F029-614700AC7FC7}"/>
-              </a:ext>
-            </a:extLst>
-          </p:cNvPr>
-          <p:cNvSpPr txBox="1"/>
-          <p:nvPr/>
-        </p:nvSpPr>
-        <p:spPr>
-          <a:xfrm>
-            <a:off x="914400" y="4196080"/>
-            <a:ext cx="9682480" cy="923330"/>
-          </a:xfrm>
-          <a:prstGeom prst="rect">
-            <a:avLst/>
-          </a:prstGeom>
-          <a:noFill/>
-        </p:spPr>
-        <p:txBody>
-          <a:bodyPr rot="0" spcFirstLastPara="0" vertOverflow="overflow" horzOverflow="overflow" vert="horz" wrap="square" lIns="91440" tIns="45720" rIns="91440" bIns="45720" numCol="1" spcCol="0" rtlCol="0" fromWordArt="0" anchor="t" anchorCtr="0" forceAA="0" compatLnSpc="1">
-            <a:prstTxWarp prst="textNoShape">
-              <a:avLst/>
-            </a:prstTxWarp>
-            <a:spAutoFit/>
-          </a:bodyPr>
-          <a:lstStyle/>
-          <a:p>
-            <a:pPr marL="285750" indent="-285750">
-              <a:buFont typeface="Calibri"/>
-              <a:buChar char="-"/>
-            </a:pPr>
-            <a:r>
-              <a:rPr lang="en-US"/>
-              <a:t>Om de 2 </a:t>
-            </a:r>
-            <a:r>
-              <a:rPr lang="en-US" err="1"/>
-              <a:t>weken</a:t>
-            </a:r>
-            <a:endParaRPr lang="en-US"/>
-          </a:p>
-          <a:p>
-            <a:pPr marL="285750" indent="-285750">
-              <a:buFont typeface="Calibri"/>
-              <a:buChar char="-"/>
-            </a:pPr>
-            <a:r>
-              <a:rPr lang="en-US" dirty="0" err="1"/>
-              <a:t>Comminicatie</a:t>
-            </a:r>
-            <a:r>
-              <a:rPr lang="en-US"/>
-              <a:t> via email</a:t>
-            </a:r>
-          </a:p>
-          <a:p>
-            <a:pPr marL="285750" indent="-285750">
-              <a:buFont typeface="Calibri"/>
-              <a:buChar char="-"/>
-            </a:pPr>
-            <a:endParaRPr lang="en-US" dirty="0"/>
-          </a:p>
-        </p:txBody>
-      </p:sp>
     </p:spTree>
     <p:extLst>
       <p:ext uri="{BB962C8B-B14F-4D97-AF65-F5344CB8AC3E}">
@@ -3856,14 +3777,45 @@
           <a:p>
             <a:r>
               <a:rPr lang="en-US" dirty="0" err="1"/>
-              <a:t>onefficient</a:t>
-            </a:r>
-          </a:p>
-          <a:p>
+              <a:t>Onefficient</a:t>
+            </a:r>
             <a:endParaRPr lang="en-US" dirty="0"/>
           </a:p>
-        </p:txBody>
-      </p:sp>
+          <a:p>
+            <a:endParaRPr lang="en-US" dirty="0"/>
+          </a:p>
+        </p:txBody>
+      </p:sp>
+      <p:pic>
+        <p:nvPicPr>
+          <p:cNvPr id="5" name="Picture 4">
+            <a:extLst>
+              <a:ext uri="{FF2B5EF4-FFF2-40B4-BE49-F238E27FC236}">
+                <a16:creationId xmlns:a16="http://schemas.microsoft.com/office/drawing/2014/main" id="{4B2658E6-2642-2CD2-1AC2-A1DCF4F6C89C}"/>
+              </a:ext>
+            </a:extLst>
+          </p:cNvPr>
+          <p:cNvPicPr>
+            <a:picLocks noChangeAspect="1"/>
+          </p:cNvPicPr>
+          <p:nvPr/>
+        </p:nvPicPr>
+        <p:blipFill>
+          <a:blip r:embed="rId2"/>
+          <a:stretch>
+            <a:fillRect/>
+          </a:stretch>
+        </p:blipFill>
+        <p:spPr>
+          <a:xfrm>
+            <a:off x="5452008" y="1371601"/>
+            <a:ext cx="5171392" cy="4034333"/>
+          </a:xfrm>
+          <a:prstGeom prst="rect">
+            <a:avLst/>
+          </a:prstGeom>
+        </p:spPr>
+      </p:pic>
     </p:spTree>
     <p:extLst>
       <p:ext uri="{BB962C8B-B14F-4D97-AF65-F5344CB8AC3E}">
@@ -3980,8 +3932,9 @@
             </a:pPr>
             <a:r>
               <a:rPr lang="en-US" dirty="0" err="1"/>
-              <a:t>efficienter</a:t>
-            </a:r>
+              <a:t>Efficienter</a:t>
+            </a:r>
+            <a:endParaRPr lang="en-US" dirty="0"/>
           </a:p>
           <a:p>
             <a:pPr>
@@ -4134,7 +4087,7 @@
           <a:p>
             <a:r>
               <a:rPr lang="en-US" dirty="0"/>
-              <a:t>email</a:t>
+              <a:t>Email</a:t>
             </a:r>
           </a:p>
           <a:p>
@@ -4274,7 +4227,8 @@
           <a:lstStyle/>
           <a:p>
             <a:fld id="{8AB1322A-4B6B-4364-9AAB-99A976E59404}" type="datetime1">
-              <a:t>9/16/2025</a:t>
+              <a:rPr lang="en-NL"/>
+              <a:t>16/09/2025</a:t>
             </a:fld>
             <a:endParaRPr lang="en-US" dirty="0"/>
           </a:p>
@@ -4415,7 +4369,7 @@
         <p:spPr/>
         <p:txBody>
           <a:bodyPr vert="horz" lIns="91440" tIns="45720" rIns="91440" bIns="45720" rtlCol="0" anchor="t">
-            <a:normAutofit/>
+            <a:normAutofit fontScale="92500" lnSpcReduction="10000"/>
           </a:bodyPr>
           <a:lstStyle/>
           <a:p>
@@ -4424,7 +4378,7 @@
               <a:buChar char="-"/>
             </a:pPr>
             <a:r>
-              <a:rPr lang="en-US"/>
+              <a:rPr lang="en-US" dirty="0"/>
               <a:t>Product backlog </a:t>
             </a:r>
           </a:p>
@@ -4435,7 +4389,7 @@
             </a:pPr>
             <a:r>
               <a:rPr lang="en-US" dirty="0" err="1"/>
-              <a:t>verslagen</a:t>
+              <a:t>Verslagen</a:t>
             </a:r>
             <a:r>
               <a:rPr lang="en-US" dirty="0"/>
@@ -4448,12 +4402,67 @@
               <a:buChar char="-"/>
             </a:pPr>
             <a:r>
-              <a:rPr lang="en-US" dirty="0"/>
-              <a:t>Microcontrollers, </a:t>
-            </a:r>
-            <a:r>
-              <a:rPr lang="en-US" dirty="0" err="1"/>
-              <a:t>sensoren</a:t>
+              <a:rPr lang="nl-NL" dirty="0"/>
+              <a:t>1. Ik wil dat de windsnelheid op locatie gemeten word.</a:t>
+            </a:r>
+          </a:p>
+          <a:p>
+            <a:pPr marL="265176" lvl="1" indent="0">
+              <a:buNone/>
+            </a:pPr>
+            <a:r>
+              <a:rPr lang="nl-NL" sz="1600" dirty="0"/>
+              <a:t>1.1 </a:t>
+            </a:r>
+            <a:r>
+              <a:rPr lang="nl-NL" dirty="0"/>
+              <a:t>Onderzoek  de opties van de windsnelheid sensoren.</a:t>
+            </a:r>
+            <a:endParaRPr lang="en-US" sz="1200" dirty="0"/>
+          </a:p>
+          <a:p>
+            <a:pPr marL="0" indent="0">
+              <a:buNone/>
+            </a:pPr>
+            <a:r>
+              <a:rPr lang="nl-NL" dirty="0"/>
+              <a:t>    </a:t>
+            </a:r>
+            <a:r>
+              <a:rPr lang="nl-NL" sz="1600" dirty="0"/>
+              <a:t>1.2 Schrijf het onderzoekverslag van het onderzoek van windsnelheid sensoren.</a:t>
+            </a:r>
+          </a:p>
+          <a:p>
+            <a:pPr>
+              <a:buFontTx/>
+              <a:buChar char="-"/>
+            </a:pPr>
+            <a:r>
+              <a:rPr lang="nl-NL" dirty="0"/>
+              <a:t>6. Ik wil dat de motor en het weerstation moeten afhankelijk zijn van de microcontroller.</a:t>
+            </a:r>
+          </a:p>
+          <a:p>
+            <a:pPr marL="0" indent="0">
+              <a:buNone/>
+            </a:pPr>
+            <a:r>
+              <a:rPr lang="nl-NL" sz="1600" dirty="0"/>
+              <a:t>    6.1. Onderzoek de opties van microcontrollers</a:t>
+            </a:r>
+            <a:r>
+              <a:rPr lang="nl-NL" dirty="0"/>
+              <a:t>.</a:t>
+            </a:r>
+          </a:p>
+          <a:p>
+            <a:pPr marL="0" indent="0">
+              <a:buNone/>
+            </a:pPr>
+            <a:r>
+              <a:rPr lang="nl-NL" sz="1600" dirty="0"/>
+              <a:t>    6.2. Schrijf het onderzoekverslag van het onderzoek van microcontrollers.</a:t>
             </a:r>
           </a:p>
         </p:txBody>
@@ -4480,7 +4489,8 @@
           <a:lstStyle/>
           <a:p>
             <a:fld id="{A009CFAB-F07A-49CB-AB17-80CD7B62C511}" type="datetime1">
-              <a:t>9/16/2025</a:t>
+              <a:rPr lang="en-NL"/>
+              <a:t>16/09/2025</a:t>
             </a:fld>
             <a:endParaRPr lang="en-US" dirty="0"/>
           </a:p>

--- a/documentatie/scrum presentaties/sprint 0 plasticvanger.pptx
+++ b/documentatie/scrum presentaties/sprint 0 plasticvanger.pptx
@@ -6,12 +6,14 @@
   </p:sldMasterIdLst>
   <p:sldIdLst>
     <p:sldId id="256" r:id="rId2"/>
-    <p:sldId id="257" r:id="rId3"/>
-    <p:sldId id="259" r:id="rId4"/>
-    <p:sldId id="260" r:id="rId5"/>
-    <p:sldId id="261" r:id="rId6"/>
-    <p:sldId id="262" r:id="rId7"/>
-    <p:sldId id="263" r:id="rId8"/>
+    <p:sldId id="264" r:id="rId3"/>
+    <p:sldId id="257" r:id="rId4"/>
+    <p:sldId id="259" r:id="rId5"/>
+    <p:sldId id="260" r:id="rId6"/>
+    <p:sldId id="265" r:id="rId7"/>
+    <p:sldId id="261" r:id="rId8"/>
+    <p:sldId id="262" r:id="rId9"/>
+    <p:sldId id="263" r:id="rId10"/>
   </p:sldIdLst>
   <p:sldSz cx="12192000" cy="6858000"/>
   <p:notesSz cx="6858000" cy="9144000"/>
@@ -339,7 +341,7 @@
           <a:p>
             <a:fld id="{70C12960-6E85-460F-B6E3-5B82CB31AF3D}" type="slidenum">
               <a:rPr lang="en-US" dirty="0"/>
-              <a:t>‹#›</a:t>
+              <a:t>‹nr.›</a:t>
             </a:fld>
             <a:endParaRPr lang="en-US" dirty="0"/>
           </a:p>
@@ -557,7 +559,7 @@
           <a:p>
             <a:fld id="{70C12960-6E85-460F-B6E3-5B82CB31AF3D}" type="slidenum">
               <a:rPr lang="en-US" dirty="0"/>
-              <a:t>‹#›</a:t>
+              <a:t>‹nr.›</a:t>
             </a:fld>
             <a:endParaRPr lang="en-US" dirty="0"/>
           </a:p>
@@ -769,7 +771,7 @@
           <a:p>
             <a:fld id="{70C12960-6E85-460F-B6E3-5B82CB31AF3D}" type="slidenum">
               <a:rPr lang="en-US" dirty="0"/>
-              <a:t>‹#›</a:t>
+              <a:t>‹nr.›</a:t>
             </a:fld>
             <a:endParaRPr lang="en-US" dirty="0"/>
           </a:p>
@@ -971,7 +973,7 @@
           <a:p>
             <a:fld id="{70C12960-6E85-460F-B6E3-5B82CB31AF3D}" type="slidenum">
               <a:rPr lang="en-US" dirty="0"/>
-              <a:t>‹#›</a:t>
+              <a:t>‹nr.›</a:t>
             </a:fld>
             <a:endParaRPr lang="en-US" dirty="0"/>
           </a:p>
@@ -1254,7 +1256,7 @@
           <a:p>
             <a:fld id="{70C12960-6E85-460F-B6E3-5B82CB31AF3D}" type="slidenum">
               <a:rPr lang="en-US" dirty="0"/>
-              <a:t>‹#›</a:t>
+              <a:t>‹nr.›</a:t>
             </a:fld>
             <a:endParaRPr lang="en-US" dirty="0"/>
           </a:p>
@@ -1523,7 +1525,7 @@
           <a:p>
             <a:fld id="{70C12960-6E85-460F-B6E3-5B82CB31AF3D}" type="slidenum">
               <a:rPr lang="en-US" dirty="0"/>
-              <a:t>‹#›</a:t>
+              <a:t>‹nr.›</a:t>
             </a:fld>
             <a:endParaRPr lang="en-US" dirty="0"/>
           </a:p>
@@ -1943,7 +1945,7 @@
           <a:p>
             <a:fld id="{70C12960-6E85-460F-B6E3-5B82CB31AF3D}" type="slidenum">
               <a:rPr lang="en-US" dirty="0"/>
-              <a:t>‹#›</a:t>
+              <a:t>‹nr.›</a:t>
             </a:fld>
             <a:endParaRPr lang="en-US" dirty="0"/>
           </a:p>
@@ -2088,7 +2090,7 @@
           <a:p>
             <a:fld id="{70C12960-6E85-460F-B6E3-5B82CB31AF3D}" type="slidenum">
               <a:rPr lang="en-US" dirty="0"/>
-              <a:t>‹#›</a:t>
+              <a:t>‹nr.›</a:t>
             </a:fld>
             <a:endParaRPr lang="en-US" dirty="0"/>
           </a:p>
@@ -2205,7 +2207,7 @@
           <a:p>
             <a:fld id="{70C12960-6E85-460F-B6E3-5B82CB31AF3D}" type="slidenum">
               <a:rPr lang="en-US" dirty="0"/>
-              <a:t>‹#›</a:t>
+              <a:t>‹nr.›</a:t>
             </a:fld>
             <a:endParaRPr lang="en-US" dirty="0"/>
           </a:p>
@@ -2522,7 +2524,7 @@
           <a:p>
             <a:fld id="{70C12960-6E85-460F-B6E3-5B82CB31AF3D}" type="slidenum">
               <a:rPr lang="en-US" dirty="0"/>
-              <a:t>‹#›</a:t>
+              <a:t>‹nr.›</a:t>
             </a:fld>
             <a:endParaRPr lang="en-US" dirty="0"/>
           </a:p>
@@ -2814,7 +2816,7 @@
           <a:p>
             <a:fld id="{70C12960-6E85-460F-B6E3-5B82CB31AF3D}" type="slidenum">
               <a:rPr lang="en-US" dirty="0"/>
-              <a:t>‹#›</a:t>
+              <a:t>‹nr.›</a:t>
             </a:fld>
             <a:endParaRPr lang="en-US" dirty="0"/>
           </a:p>
@@ -3089,7 +3091,7 @@
           <a:p>
             <a:fld id="{70C12960-6E85-460F-B6E3-5B82CB31AF3D}" type="slidenum">
               <a:rPr lang="en-US" dirty="0"/>
-              <a:t>‹#›</a:t>
+              <a:t>‹nr.›</a:t>
             </a:fld>
             <a:endParaRPr lang="en-US" dirty="0"/>
           </a:p>
@@ -3497,17 +3499,34 @@
             <p:ph type="ctrTitle"/>
           </p:nvPr>
         </p:nvSpPr>
-        <p:spPr/>
+        <p:spPr>
+          <a:xfrm>
+            <a:off x="912629" y="1371600"/>
+            <a:ext cx="8182210" cy="2696866"/>
+          </a:xfrm>
+        </p:spPr>
         <p:txBody>
           <a:bodyPr>
-            <a:normAutofit/>
+            <a:normAutofit fontScale="90000"/>
           </a:bodyPr>
           <a:lstStyle/>
           <a:p>
             <a:r>
+              <a:rPr lang="en-US" sz="6000" dirty="0" err="1"/>
+              <a:t>Automatiseren</a:t>
+            </a:r>
+            <a:r>
               <a:rPr lang="en-US" sz="6000" dirty="0"/>
-              <a:t>Sprint 0</a:t>
-            </a:r>
+              <a:t> van de plastic </a:t>
+            </a:r>
+            <a:r>
+              <a:rPr lang="en-US" sz="6000" dirty="0" err="1"/>
+              <a:t>vanger</a:t>
+            </a:r>
+            <a:br>
+              <a:rPr lang="en-US" sz="6000" dirty="0"/>
+            </a:br>
+            <a:endParaRPr lang="en-US" sz="6000" dirty="0"/>
           </a:p>
         </p:txBody>
       </p:sp>
@@ -3533,13 +3552,8 @@
           <a:p>
             <a:r>
               <a:rPr lang="en-US" sz="2000" dirty="0"/>
-              <a:t>Plastic </a:t>
-            </a:r>
-            <a:r>
-              <a:rPr lang="en-US" sz="2000" err="1"/>
-              <a:t>vanger</a:t>
-            </a:r>
-            <a:endParaRPr lang="en-US" sz="2000"/>
+              <a:t>Sprint 0</a:t>
+            </a:r>
           </a:p>
           <a:p>
             <a:r>
@@ -3597,10 +3611,10 @@
       </p:grpSpPr>
       <p:sp>
         <p:nvSpPr>
-          <p:cNvPr id="2" name="Title 1">
-            <a:extLst>
-              <a:ext uri="{FF2B5EF4-FFF2-40B4-BE49-F238E27FC236}">
-                <a16:creationId xmlns:a16="http://schemas.microsoft.com/office/drawing/2014/main" id="{BF967AE4-B4AC-A08B-CFA8-C35DC668A732}"/>
+          <p:cNvPr id="2" name="Titel 1">
+            <a:extLst>
+              <a:ext uri="{FF2B5EF4-FFF2-40B4-BE49-F238E27FC236}">
+                <a16:creationId xmlns:a16="http://schemas.microsoft.com/office/drawing/2014/main" id="{C47046BB-C0D4-13C5-75C3-04BD058E3CD2}"/>
               </a:ext>
             </a:extLst>
           </p:cNvPr>
@@ -3613,12 +3627,239 @@
         </p:nvSpPr>
         <p:spPr/>
         <p:txBody>
+          <a:bodyPr/>
+          <a:lstStyle/>
+          <a:p>
+            <a:r>
+              <a:rPr lang="en-US" dirty="0" err="1"/>
+              <a:t>Inleiding</a:t>
+            </a:r>
+            <a:endParaRPr lang="nl-NL" dirty="0"/>
+          </a:p>
+        </p:txBody>
+      </p:sp>
+      <p:sp>
+        <p:nvSpPr>
+          <p:cNvPr id="3" name="Tijdelijke aanduiding voor inhoud 2">
+            <a:extLst>
+              <a:ext uri="{FF2B5EF4-FFF2-40B4-BE49-F238E27FC236}">
+                <a16:creationId xmlns:a16="http://schemas.microsoft.com/office/drawing/2014/main" id="{89A232C2-CF79-CA92-484F-7A85BCAD507B}"/>
+              </a:ext>
+            </a:extLst>
+          </p:cNvPr>
+          <p:cNvSpPr>
+            <a:spLocks noGrp="1"/>
+          </p:cNvSpPr>
+          <p:nvPr>
+            <p:ph idx="1"/>
+          </p:nvPr>
+        </p:nvSpPr>
+        <p:spPr/>
+        <p:txBody>
           <a:bodyPr>
-            <a:normAutofit/>
+            <a:normAutofit lnSpcReduction="10000"/>
           </a:bodyPr>
           <a:lstStyle/>
           <a:p>
+            <a:r>
+              <a:rPr lang="en-US" dirty="0"/>
+              <a:t>De product owner</a:t>
+            </a:r>
+          </a:p>
+          <a:p>
+            <a:r>
+              <a:rPr lang="en-US" dirty="0"/>
+              <a:t>Het problem</a:t>
+            </a:r>
+          </a:p>
+          <a:p>
+            <a:r>
+              <a:rPr lang="en-US" dirty="0"/>
+              <a:t>De </a:t>
+            </a:r>
+            <a:r>
+              <a:rPr lang="en-US" dirty="0" err="1"/>
+              <a:t>oplossing</a:t>
+            </a:r>
             <a:endParaRPr lang="en-US" dirty="0"/>
+          </a:p>
+          <a:p>
+            <a:r>
+              <a:rPr lang="en-US" dirty="0"/>
+              <a:t>Product backlog</a:t>
+            </a:r>
+          </a:p>
+          <a:p>
+            <a:r>
+              <a:rPr lang="nl-NL" dirty="0"/>
+              <a:t>Afspraken</a:t>
+            </a:r>
+          </a:p>
+          <a:p>
+            <a:r>
+              <a:rPr lang="nl-NL" dirty="0"/>
+              <a:t>Project beheer</a:t>
+            </a:r>
+          </a:p>
+          <a:p>
+            <a:r>
+              <a:rPr lang="nl-NL" dirty="0"/>
+              <a:t>Sprint 1 planning</a:t>
+            </a:r>
+          </a:p>
+          <a:p>
+            <a:endParaRPr lang="nl-NL" dirty="0"/>
+          </a:p>
+        </p:txBody>
+      </p:sp>
+      <p:sp>
+        <p:nvSpPr>
+          <p:cNvPr id="4" name="Tijdelijke aanduiding voor datum 3">
+            <a:extLst>
+              <a:ext uri="{FF2B5EF4-FFF2-40B4-BE49-F238E27FC236}">
+                <a16:creationId xmlns:a16="http://schemas.microsoft.com/office/drawing/2014/main" id="{A68639AC-D36D-0941-04F4-BC7EAF506A2E}"/>
+              </a:ext>
+            </a:extLst>
+          </p:cNvPr>
+          <p:cNvSpPr>
+            <a:spLocks noGrp="1"/>
+          </p:cNvSpPr>
+          <p:nvPr>
+            <p:ph type="dt" sz="half" idx="10"/>
+          </p:nvPr>
+        </p:nvSpPr>
+        <p:spPr/>
+        <p:txBody>
+          <a:bodyPr/>
+          <a:lstStyle/>
+          <a:p>
+            <a:fld id="{BE7844A0-FF17-474B-B615-F2E49F97A007}" type="datetime1">
+              <a:rPr lang="en-US" smtClean="0"/>
+              <a:t>9/16/2025</a:t>
+            </a:fld>
+            <a:endParaRPr lang="en-US" dirty="0"/>
+          </a:p>
+        </p:txBody>
+      </p:sp>
+      <p:sp>
+        <p:nvSpPr>
+          <p:cNvPr id="5" name="Tijdelijke aanduiding voor voettekst 4">
+            <a:extLst>
+              <a:ext uri="{FF2B5EF4-FFF2-40B4-BE49-F238E27FC236}">
+                <a16:creationId xmlns:a16="http://schemas.microsoft.com/office/drawing/2014/main" id="{D1F9F840-E6A3-7913-EEB5-B38CF407F354}"/>
+              </a:ext>
+            </a:extLst>
+          </p:cNvPr>
+          <p:cNvSpPr>
+            <a:spLocks noGrp="1"/>
+          </p:cNvSpPr>
+          <p:nvPr>
+            <p:ph type="ftr" sz="quarter" idx="11"/>
+          </p:nvPr>
+        </p:nvSpPr>
+        <p:spPr/>
+        <p:txBody>
+          <a:bodyPr/>
+          <a:lstStyle/>
+          <a:p>
+            <a:r>
+              <a:rPr lang="en-US"/>
+              <a:t>
+              </a:t>
+            </a:r>
+            <a:endParaRPr lang="en-US" dirty="0"/>
+          </a:p>
+        </p:txBody>
+      </p:sp>
+      <p:sp>
+        <p:nvSpPr>
+          <p:cNvPr id="6" name="Tijdelijke aanduiding voor dianummer 5">
+            <a:extLst>
+              <a:ext uri="{FF2B5EF4-FFF2-40B4-BE49-F238E27FC236}">
+                <a16:creationId xmlns:a16="http://schemas.microsoft.com/office/drawing/2014/main" id="{B220F9D3-884F-AA64-FA27-BC7151D305A8}"/>
+              </a:ext>
+            </a:extLst>
+          </p:cNvPr>
+          <p:cNvSpPr>
+            <a:spLocks noGrp="1"/>
+          </p:cNvSpPr>
+          <p:nvPr>
+            <p:ph type="sldNum" sz="quarter" idx="12"/>
+          </p:nvPr>
+        </p:nvSpPr>
+        <p:spPr/>
+        <p:txBody>
+          <a:bodyPr/>
+          <a:lstStyle/>
+          <a:p>
+            <a:fld id="{70C12960-6E85-460F-B6E3-5B82CB31AF3D}" type="slidenum">
+              <a:rPr lang="en-US" smtClean="0"/>
+              <a:t>2</a:t>
+            </a:fld>
+            <a:endParaRPr lang="en-US" dirty="0"/>
+          </a:p>
+        </p:txBody>
+      </p:sp>
+    </p:spTree>
+    <p:extLst>
+      <p:ext uri="{BB962C8B-B14F-4D97-AF65-F5344CB8AC3E}">
+        <p14:creationId xmlns:p14="http://schemas.microsoft.com/office/powerpoint/2010/main" val="1969825630"/>
+      </p:ext>
+    </p:extLst>
+  </p:cSld>
+  <p:clrMapOvr>
+    <a:masterClrMapping/>
+  </p:clrMapOvr>
+</p:sld>
+</file>
+
+<file path=ppt/slides/slide3.xml><?xml version="1.0" encoding="utf-8"?>
+<p:sld xmlns:a="http://schemas.openxmlformats.org/drawingml/2006/main" xmlns:r="http://schemas.openxmlformats.org/officeDocument/2006/relationships" xmlns:p="http://schemas.openxmlformats.org/presentationml/2006/main">
+  <p:cSld>
+    <p:spTree>
+      <p:nvGrpSpPr>
+        <p:cNvPr id="1" name=""/>
+        <p:cNvGrpSpPr/>
+        <p:nvPr/>
+      </p:nvGrpSpPr>
+      <p:grpSpPr>
+        <a:xfrm>
+          <a:off x="0" y="0"/>
+          <a:ext cx="0" cy="0"/>
+          <a:chOff x="0" y="0"/>
+          <a:chExt cx="0" cy="0"/>
+        </a:xfrm>
+      </p:grpSpPr>
+      <p:sp>
+        <p:nvSpPr>
+          <p:cNvPr id="9" name="Title 1">
+            <a:extLst>
+              <a:ext uri="{FF2B5EF4-FFF2-40B4-BE49-F238E27FC236}">
+                <a16:creationId xmlns:a16="http://schemas.microsoft.com/office/drawing/2014/main" id="{47FE5706-7C19-4F0A-2E11-B4296F48E4C7}"/>
+              </a:ext>
+            </a:extLst>
+          </p:cNvPr>
+          <p:cNvSpPr>
+            <a:spLocks noGrp="1"/>
+          </p:cNvSpPr>
+          <p:nvPr>
+            <p:ph type="title"/>
+          </p:nvPr>
+        </p:nvSpPr>
+        <p:spPr>
+          <a:xfrm>
+            <a:off x="912628" y="1463038"/>
+            <a:ext cx="3859397" cy="1471548"/>
+          </a:xfrm>
+        </p:spPr>
+        <p:txBody>
+          <a:bodyPr/>
+          <a:lstStyle/>
+          <a:p>
+            <a:r>
+              <a:rPr lang="en-US" dirty="0"/>
+              <a:t>De product owner</a:t>
+            </a:r>
           </a:p>
         </p:txBody>
       </p:sp>
@@ -3635,26 +3876,154 @@
             <a:picLocks noGrp="1" noChangeAspect="1"/>
           </p:cNvPicPr>
           <p:nvPr>
-            <p:ph idx="1"/>
+            <p:ph type="pic" idx="1"/>
           </p:nvPr>
         </p:nvPicPr>
         <p:blipFill>
           <a:blip r:embed="rId2"/>
-          <a:srcRect t="38318" r="116" b="39369"/>
+          <a:srcRect t="10428" b="10611"/>
           <a:stretch>
             <a:fillRect/>
           </a:stretch>
         </p:blipFill>
         <p:spPr>
           <a:xfrm>
-            <a:off x="1735668" y="2084442"/>
-            <a:ext cx="8699937" cy="1943501"/>
+            <a:off x="5183188" y="987425"/>
+            <a:ext cx="6172200" cy="4873625"/>
           </a:xfrm>
           <a:prstGeom prst="rect">
             <a:avLst/>
           </a:prstGeom>
+          <a:noFill/>
         </p:spPr>
       </p:pic>
+      <p:sp>
+        <p:nvSpPr>
+          <p:cNvPr id="13" name="Date Placeholder 4">
+            <a:extLst>
+              <a:ext uri="{FF2B5EF4-FFF2-40B4-BE49-F238E27FC236}">
+                <a16:creationId xmlns:a16="http://schemas.microsoft.com/office/drawing/2014/main" id="{475C7994-986F-D5A3-A4C2-D6761B1E0AB9}"/>
+              </a:ext>
+            </a:extLst>
+          </p:cNvPr>
+          <p:cNvSpPr>
+            <a:spLocks noGrp="1"/>
+          </p:cNvSpPr>
+          <p:nvPr>
+            <p:ph type="dt" sz="half" idx="10"/>
+          </p:nvPr>
+        </p:nvSpPr>
+        <p:spPr>
+          <a:xfrm>
+            <a:off x="912628" y="6356350"/>
+            <a:ext cx="2743200" cy="365125"/>
+          </a:xfrm>
+        </p:spPr>
+        <p:txBody>
+          <a:bodyPr/>
+          <a:lstStyle/>
+          <a:p>
+            <a:pPr>
+              <a:spcAft>
+                <a:spcPts val="600"/>
+              </a:spcAft>
+            </a:pPr>
+            <a:fld id="{8943A561-4D18-41B2-BA33-09F92EC09D3E}" type="datetime1">
+              <a:rPr/>
+              <a:pPr>
+                <a:spcAft>
+                  <a:spcPts val="600"/>
+                </a:spcAft>
+              </a:pPr>
+              <a:t>16-9-2025</a:t>
+            </a:fld>
+            <a:endParaRPr lang="en-US"/>
+          </a:p>
+        </p:txBody>
+      </p:sp>
+      <p:sp>
+        <p:nvSpPr>
+          <p:cNvPr id="15" name="Footer Placeholder 5">
+            <a:extLst>
+              <a:ext uri="{FF2B5EF4-FFF2-40B4-BE49-F238E27FC236}">
+                <a16:creationId xmlns:a16="http://schemas.microsoft.com/office/drawing/2014/main" id="{D4926807-F60C-AA22-F765-C54900417742}"/>
+              </a:ext>
+            </a:extLst>
+          </p:cNvPr>
+          <p:cNvSpPr>
+            <a:spLocks noGrp="1"/>
+          </p:cNvSpPr>
+          <p:nvPr>
+            <p:ph type="ftr" sz="quarter" idx="11"/>
+          </p:nvPr>
+        </p:nvSpPr>
+        <p:spPr>
+          <a:xfrm>
+            <a:off x="6767622" y="6356350"/>
+            <a:ext cx="4040373" cy="365125"/>
+          </a:xfrm>
+        </p:spPr>
+        <p:txBody>
+          <a:bodyPr/>
+          <a:lstStyle/>
+          <a:p>
+            <a:pPr>
+              <a:spcAft>
+                <a:spcPts val="600"/>
+              </a:spcAft>
+            </a:pPr>
+            <a:r>
+              <a:rPr lang="en-US"/>
+              <a:t>
+              </a:t>
+            </a:r>
+          </a:p>
+        </p:txBody>
+      </p:sp>
+      <p:sp>
+        <p:nvSpPr>
+          <p:cNvPr id="17" name="Slide Number Placeholder 6">
+            <a:extLst>
+              <a:ext uri="{FF2B5EF4-FFF2-40B4-BE49-F238E27FC236}">
+                <a16:creationId xmlns:a16="http://schemas.microsoft.com/office/drawing/2014/main" id="{FA0BAFA1-D435-F8F4-27C5-CD44FF891B18}"/>
+              </a:ext>
+            </a:extLst>
+          </p:cNvPr>
+          <p:cNvSpPr>
+            <a:spLocks noGrp="1"/>
+          </p:cNvSpPr>
+          <p:nvPr>
+            <p:ph type="sldNum" sz="quarter" idx="12"/>
+          </p:nvPr>
+        </p:nvSpPr>
+        <p:spPr>
+          <a:xfrm>
+            <a:off x="10807995" y="6356350"/>
+            <a:ext cx="723014" cy="365125"/>
+          </a:xfrm>
+        </p:spPr>
+        <p:txBody>
+          <a:bodyPr/>
+          <a:lstStyle/>
+          <a:p>
+            <a:pPr>
+              <a:spcAft>
+                <a:spcPts val="600"/>
+              </a:spcAft>
+            </a:pPr>
+            <a:fld id="{70C12960-6E85-460F-B6E3-5B82CB31AF3D}" type="slidenum">
+              <a:rPr lang="en-US" dirty="0"/>
+              <a:pPr>
+                <a:spcAft>
+                  <a:spcPts val="600"/>
+                </a:spcAft>
+              </a:pPr>
+              <a:t>3</a:t>
+            </a:fld>
+            <a:endParaRPr lang="en-US"/>
+          </a:p>
+        </p:txBody>
+      </p:sp>
     </p:spTree>
     <p:extLst>
       <p:ext uri="{BB962C8B-B14F-4D97-AF65-F5344CB8AC3E}">
@@ -3668,7 +4037,7 @@
 </p:sld>
 </file>
 
-<file path=ppt/slides/slide3.xml><?xml version="1.0" encoding="utf-8"?>
+<file path=ppt/slides/slide4.xml><?xml version="1.0" encoding="utf-8"?>
 <p:sld xmlns:a="http://schemas.openxmlformats.org/drawingml/2006/main" xmlns:r="http://schemas.openxmlformats.org/officeDocument/2006/relationships" xmlns:p="http://schemas.openxmlformats.org/presentationml/2006/main">
   <p:cSld>
     <p:spTree>
@@ -3829,135 +4198,6 @@
 </p:sld>
 </file>
 
-<file path=ppt/slides/slide4.xml><?xml version="1.0" encoding="utf-8"?>
-<p:sld xmlns:a="http://schemas.openxmlformats.org/drawingml/2006/main" xmlns:r="http://schemas.openxmlformats.org/officeDocument/2006/relationships" xmlns:p="http://schemas.openxmlformats.org/presentationml/2006/main">
-  <p:cSld>
-    <p:spTree>
-      <p:nvGrpSpPr>
-        <p:cNvPr id="1" name=""/>
-        <p:cNvGrpSpPr/>
-        <p:nvPr/>
-      </p:nvGrpSpPr>
-      <p:grpSpPr>
-        <a:xfrm>
-          <a:off x="0" y="0"/>
-          <a:ext cx="0" cy="0"/>
-          <a:chOff x="0" y="0"/>
-          <a:chExt cx="0" cy="0"/>
-        </a:xfrm>
-      </p:grpSpPr>
-      <p:sp>
-        <p:nvSpPr>
-          <p:cNvPr id="2" name="Title 1">
-            <a:extLst>
-              <a:ext uri="{FF2B5EF4-FFF2-40B4-BE49-F238E27FC236}">
-                <a16:creationId xmlns:a16="http://schemas.microsoft.com/office/drawing/2014/main" id="{7B719FB9-6FE7-E100-8D6E-284D65AE02D2}"/>
-              </a:ext>
-            </a:extLst>
-          </p:cNvPr>
-          <p:cNvSpPr>
-            <a:spLocks noGrp="1"/>
-          </p:cNvSpPr>
-          <p:nvPr>
-            <p:ph type="title"/>
-          </p:nvPr>
-        </p:nvSpPr>
-        <p:spPr/>
-        <p:txBody>
-          <a:bodyPr/>
-          <a:lstStyle/>
-          <a:p>
-            <a:r>
-              <a:rPr lang="en-US" dirty="0" err="1"/>
-              <a:t>Oplossingen</a:t>
-            </a:r>
-          </a:p>
-        </p:txBody>
-      </p:sp>
-      <p:sp>
-        <p:nvSpPr>
-          <p:cNvPr id="3" name="Content Placeholder 2">
-            <a:extLst>
-              <a:ext uri="{FF2B5EF4-FFF2-40B4-BE49-F238E27FC236}">
-                <a16:creationId xmlns:a16="http://schemas.microsoft.com/office/drawing/2014/main" id="{58F858F2-BCFA-E55A-4F74-14F817809B8B}"/>
-              </a:ext>
-            </a:extLst>
-          </p:cNvPr>
-          <p:cNvSpPr>
-            <a:spLocks noGrp="1"/>
-          </p:cNvSpPr>
-          <p:nvPr>
-            <p:ph idx="1"/>
-          </p:nvPr>
-        </p:nvSpPr>
-        <p:spPr/>
-        <p:txBody>
-          <a:bodyPr vert="horz" lIns="91440" tIns="45720" rIns="91440" bIns="45720" rtlCol="0" anchor="t">
-            <a:normAutofit/>
-          </a:bodyPr>
-          <a:lstStyle/>
-          <a:p>
-            <a:pPr>
-              <a:buFont typeface="Calibri" panose="020B0604020202020204" pitchFamily="34" charset="0"/>
-              <a:buChar char="-"/>
-            </a:pPr>
-            <a:r>
-              <a:rPr lang="en-US" dirty="0" err="1"/>
-              <a:t>Weerstation</a:t>
-            </a:r>
-          </a:p>
-          <a:p>
-            <a:pPr>
-              <a:buFont typeface="Calibri" panose="020B0604020202020204" pitchFamily="34" charset="0"/>
-              <a:buChar char="-"/>
-            </a:pPr>
-            <a:r>
-              <a:rPr lang="en-US" dirty="0" err="1"/>
-              <a:t>Afhankelijk</a:t>
-            </a:r>
-            <a:r>
-              <a:rPr lang="en-US" dirty="0"/>
-              <a:t> </a:t>
-            </a:r>
-            <a:r>
-              <a:rPr lang="en-US" dirty="0" err="1"/>
-              <a:t>weeromstandigheden</a:t>
-            </a:r>
-            <a:endParaRPr lang="en-US" dirty="0"/>
-          </a:p>
-          <a:p>
-            <a:pPr>
-              <a:buFont typeface="Calibri" panose="020B0604020202020204" pitchFamily="34" charset="0"/>
-              <a:buChar char="-"/>
-            </a:pPr>
-            <a:r>
-              <a:rPr lang="en-US" dirty="0" err="1"/>
-              <a:t>Efficienter</a:t>
-            </a:r>
-            <a:endParaRPr lang="en-US" dirty="0"/>
-          </a:p>
-          <a:p>
-            <a:pPr>
-              <a:buFont typeface="Calibri" panose="020B0604020202020204" pitchFamily="34" charset="0"/>
-              <a:buChar char="-"/>
-            </a:pPr>
-            <a:endParaRPr lang="en-US" dirty="0"/>
-          </a:p>
-        </p:txBody>
-      </p:sp>
-    </p:spTree>
-    <p:extLst>
-      <p:ext uri="{BB962C8B-B14F-4D97-AF65-F5344CB8AC3E}">
-        <p14:creationId xmlns:p14="http://schemas.microsoft.com/office/powerpoint/2010/main" val="1559443023"/>
-      </p:ext>
-    </p:extLst>
-  </p:cSld>
-  <p:clrMapOvr>
-    <a:masterClrMapping/>
-  </p:clrMapOvr>
-</p:sld>
-</file>
-
 <file path=ppt/slides/slide5.xml><?xml version="1.0" encoding="utf-8"?>
 <p:sld xmlns:a="http://schemas.openxmlformats.org/drawingml/2006/main" xmlns:r="http://schemas.openxmlformats.org/officeDocument/2006/relationships" xmlns:p="http://schemas.openxmlformats.org/presentationml/2006/main">
   <p:cSld>
@@ -3980,7 +4220,7 @@
           <p:cNvPr id="2" name="Title 1">
             <a:extLst>
               <a:ext uri="{FF2B5EF4-FFF2-40B4-BE49-F238E27FC236}">
-                <a16:creationId xmlns:a16="http://schemas.microsoft.com/office/drawing/2014/main" id="{982D11FB-8DFA-E6E5-CB1E-B4D837F72468}"/>
+                <a16:creationId xmlns:a16="http://schemas.microsoft.com/office/drawing/2014/main" id="{7B719FB9-6FE7-E100-8D6E-284D65AE02D2}"/>
               </a:ext>
             </a:extLst>
           </p:cNvPr>
@@ -3998,7 +4238,7 @@
           <a:p>
             <a:r>
               <a:rPr lang="en-US" dirty="0" err="1"/>
-              <a:t>Afspraken</a:t>
+              <a:t>Oplossingen</a:t>
             </a:r>
           </a:p>
         </p:txBody>
@@ -4008,7 +4248,7 @@
           <p:cNvPr id="3" name="Content Placeholder 2">
             <a:extLst>
               <a:ext uri="{FF2B5EF4-FFF2-40B4-BE49-F238E27FC236}">
-                <a16:creationId xmlns:a16="http://schemas.microsoft.com/office/drawing/2014/main" id="{3DD5F97B-72DC-DA4F-C5E4-AF3A1B4E6099}"/>
+                <a16:creationId xmlns:a16="http://schemas.microsoft.com/office/drawing/2014/main" id="{58F858F2-BCFA-E55A-4F74-14F817809B8B}"/>
               </a:ext>
             </a:extLst>
           </p:cNvPr>
@@ -4026,17 +4266,23 @@
           </a:bodyPr>
           <a:lstStyle/>
           <a:p>
+            <a:pPr>
+              <a:buFont typeface="Calibri" panose="020B0604020202020204" pitchFamily="34" charset="0"/>
+              <a:buChar char="-"/>
+            </a:pPr>
             <a:r>
               <a:rPr lang="en-US" dirty="0" err="1"/>
-              <a:t>Dinsdag</a:t>
-            </a:r>
-            <a:r>
-              <a:rPr lang="en-US" dirty="0"/>
-              <a:t> </a:t>
-            </a:r>
+              <a:t>Weerstation</a:t>
+            </a:r>
+          </a:p>
+          <a:p>
+            <a:pPr>
+              <a:buFont typeface="Calibri" panose="020B0604020202020204" pitchFamily="34" charset="0"/>
+              <a:buChar char="-"/>
+            </a:pPr>
             <a:r>
               <a:rPr lang="en-US" dirty="0" err="1"/>
-              <a:t>en</a:t>
+              <a:t>Afhankelijk</a:t>
             </a:r>
             <a:r>
               <a:rPr lang="en-US" dirty="0"/>
@@ -4044,56 +4290,26 @@
             </a:r>
             <a:r>
               <a:rPr lang="en-US" dirty="0" err="1"/>
-              <a:t>donderdag</a:t>
-            </a:r>
-            <a:r>
-              <a:rPr lang="en-US" dirty="0"/>
-              <a:t> </a:t>
-            </a:r>
+              <a:t>weeromstandigheden</a:t>
+            </a:r>
+            <a:endParaRPr lang="en-US" dirty="0"/>
+          </a:p>
+          <a:p>
+            <a:pPr>
+              <a:buFont typeface="Calibri" panose="020B0604020202020204" pitchFamily="34" charset="0"/>
+              <a:buChar char="-"/>
+            </a:pPr>
             <a:r>
               <a:rPr lang="en-US" dirty="0" err="1"/>
-              <a:t>aanwezig</a:t>
-            </a:r>
-          </a:p>
-          <a:p>
-            <a:r>
-              <a:rPr lang="en-US" dirty="0" err="1"/>
-              <a:t>Afwezigheid</a:t>
-            </a:r>
-            <a:r>
-              <a:rPr lang="en-US" dirty="0"/>
-              <a:t> --&gt; </a:t>
-            </a:r>
-            <a:r>
-              <a:rPr lang="en-US" dirty="0" err="1"/>
-              <a:t>bericht</a:t>
+              <a:t>Efficienter</a:t>
             </a:r>
             <a:endParaRPr lang="en-US" dirty="0"/>
           </a:p>
           <a:p>
-            <a:r>
-              <a:rPr lang="en-US" dirty="0"/>
-              <a:t>2e </a:t>
-            </a:r>
-            <a:r>
-              <a:rPr lang="en-US" dirty="0" err="1"/>
-              <a:t>dinsdag</a:t>
-            </a:r>
-            <a:r>
-              <a:rPr lang="en-US" dirty="0"/>
-              <a:t> </a:t>
-            </a:r>
-          </a:p>
-          <a:p>
-            <a:r>
-              <a:rPr lang="en-US" dirty="0"/>
-              <a:t>Email</a:t>
-            </a:r>
-          </a:p>
-          <a:p>
-            <a:endParaRPr lang="en-US" dirty="0"/>
-          </a:p>
-          <a:p>
+            <a:pPr>
+              <a:buFont typeface="Calibri" panose="020B0604020202020204" pitchFamily="34" charset="0"/>
+              <a:buChar char="-"/>
+            </a:pPr>
             <a:endParaRPr lang="en-US" dirty="0"/>
           </a:p>
         </p:txBody>
@@ -4101,7 +4317,7 @@
     </p:spTree>
     <p:extLst>
       <p:ext uri="{BB962C8B-B14F-4D97-AF65-F5344CB8AC3E}">
-        <p14:creationId xmlns:p14="http://schemas.microsoft.com/office/powerpoint/2010/main" val="4147467213"/>
+        <p14:creationId xmlns:p14="http://schemas.microsoft.com/office/powerpoint/2010/main" val="1559443023"/>
       </p:ext>
     </p:extLst>
   </p:cSld>
@@ -4130,10 +4346,10 @@
       </p:grpSpPr>
       <p:sp>
         <p:nvSpPr>
-          <p:cNvPr id="2" name="Title 1">
-            <a:extLst>
-              <a:ext uri="{FF2B5EF4-FFF2-40B4-BE49-F238E27FC236}">
-                <a16:creationId xmlns:a16="http://schemas.microsoft.com/office/drawing/2014/main" id="{BCCD5226-A54B-FDF5-C7A6-4A13B621A747}"/>
+          <p:cNvPr id="2" name="Titel 1">
+            <a:extLst>
+              <a:ext uri="{FF2B5EF4-FFF2-40B4-BE49-F238E27FC236}">
+                <a16:creationId xmlns:a16="http://schemas.microsoft.com/office/drawing/2014/main" id="{8380EF54-B11D-D314-C40D-1871E2E30E7E}"/>
               </a:ext>
             </a:extLst>
           </p:cNvPr>
@@ -4150,67 +4366,19 @@
           <a:lstStyle/>
           <a:p>
             <a:r>
-              <a:rPr lang="en-US" dirty="0" err="1"/>
-              <a:t>Projectbeheer</a:t>
-            </a:r>
-          </a:p>
-        </p:txBody>
-      </p:sp>
-      <p:sp>
-        <p:nvSpPr>
-          <p:cNvPr id="3" name="Content Placeholder 2">
-            <a:extLst>
-              <a:ext uri="{FF2B5EF4-FFF2-40B4-BE49-F238E27FC236}">
-                <a16:creationId xmlns:a16="http://schemas.microsoft.com/office/drawing/2014/main" id="{7C046C1D-D8CE-7F3A-2E51-2F917D758261}"/>
-              </a:ext>
-            </a:extLst>
-          </p:cNvPr>
-          <p:cNvSpPr>
-            <a:spLocks noGrp="1"/>
-          </p:cNvSpPr>
-          <p:nvPr>
-            <p:ph idx="1"/>
-          </p:nvPr>
-        </p:nvSpPr>
-        <p:spPr/>
-        <p:txBody>
-          <a:bodyPr vert="horz" lIns="91440" tIns="45720" rIns="91440" bIns="45720" rtlCol="0" anchor="t">
-            <a:normAutofit/>
-          </a:bodyPr>
-          <a:lstStyle/>
-          <a:p>
-            <a:r>
-              <a:rPr lang="en-US" dirty="0" err="1"/>
-              <a:t>Whatsapp</a:t>
-            </a:r>
-            <a:r>
-              <a:rPr lang="en-US" dirty="0"/>
-              <a:t> </a:t>
-            </a:r>
-          </a:p>
-          <a:p>
-            <a:r>
-              <a:rPr lang="en-US" dirty="0" err="1"/>
-              <a:t>Github</a:t>
-            </a:r>
-          </a:p>
-          <a:p>
-            <a:r>
-              <a:rPr lang="en-US" dirty="0"/>
-              <a:t>Trello</a:t>
-            </a:r>
-          </a:p>
-          <a:p>
-            <a:endParaRPr lang="en-US" dirty="0"/>
-          </a:p>
-        </p:txBody>
-      </p:sp>
-      <p:sp>
-        <p:nvSpPr>
-          <p:cNvPr id="4" name="Date Placeholder 3">
-            <a:extLst>
-              <a:ext uri="{FF2B5EF4-FFF2-40B4-BE49-F238E27FC236}">
-                <a16:creationId xmlns:a16="http://schemas.microsoft.com/office/drawing/2014/main" id="{46BD65DB-9414-19B6-E138-F4EA6B47D107}"/>
+              <a:rPr lang="en-US" dirty="0"/>
+              <a:t>Product backlog</a:t>
+            </a:r>
+            <a:endParaRPr lang="nl-NL" dirty="0"/>
+          </a:p>
+        </p:txBody>
+      </p:sp>
+      <p:sp>
+        <p:nvSpPr>
+          <p:cNvPr id="4" name="Tijdelijke aanduiding voor datum 3">
+            <a:extLst>
+              <a:ext uri="{FF2B5EF4-FFF2-40B4-BE49-F238E27FC236}">
+                <a16:creationId xmlns:a16="http://schemas.microsoft.com/office/drawing/2014/main" id="{8FE71ADF-DB07-8552-4CAD-28E667C9EB39}"/>
               </a:ext>
             </a:extLst>
           </p:cNvPr>
@@ -4226,9 +4394,9 @@
           <a:bodyPr/>
           <a:lstStyle/>
           <a:p>
-            <a:fld id="{8AB1322A-4B6B-4364-9AAB-99A976E59404}" type="datetime1">
-              <a:rPr lang="en-NL"/>
-              <a:t>16/09/2025</a:t>
+            <a:fld id="{B210C736-E03A-42A4-86F4-299C1D8AF41D}" type="datetime1">
+              <a:rPr lang="en-US" smtClean="0"/>
+              <a:t>9/16/2025</a:t>
             </a:fld>
             <a:endParaRPr lang="en-US" dirty="0"/>
           </a:p>
@@ -4236,10 +4404,10 @@
       </p:sp>
       <p:sp>
         <p:nvSpPr>
-          <p:cNvPr id="5" name="Footer Placeholder 4">
-            <a:extLst>
-              <a:ext uri="{FF2B5EF4-FFF2-40B4-BE49-F238E27FC236}">
-                <a16:creationId xmlns:a16="http://schemas.microsoft.com/office/drawing/2014/main" id="{A22D488E-D7E1-3E02-757E-BCF66BF70B93}"/>
+          <p:cNvPr id="5" name="Tijdelijke aanduiding voor voettekst 4">
+            <a:extLst>
+              <a:ext uri="{FF2B5EF4-FFF2-40B4-BE49-F238E27FC236}">
+                <a16:creationId xmlns:a16="http://schemas.microsoft.com/office/drawing/2014/main" id="{AC13D670-6D77-D536-2752-AA1C104FCC7B}"/>
               </a:ext>
             </a:extLst>
           </p:cNvPr>
@@ -4256,19 +4424,20 @@
           <a:lstStyle/>
           <a:p>
             <a:r>
-              <a:rPr lang="en-US" dirty="0"/>
+              <a:rPr lang="en-US"/>
               <a:t>
               </a:t>
             </a:r>
-          </a:p>
-        </p:txBody>
-      </p:sp>
-      <p:sp>
-        <p:nvSpPr>
-          <p:cNvPr id="6" name="Slide Number Placeholder 5">
-            <a:extLst>
-              <a:ext uri="{FF2B5EF4-FFF2-40B4-BE49-F238E27FC236}">
-                <a16:creationId xmlns:a16="http://schemas.microsoft.com/office/drawing/2014/main" id="{152255B9-FBE3-EFEC-AC63-34BE06C5AE69}"/>
+            <a:endParaRPr lang="en-US" dirty="0"/>
+          </a:p>
+        </p:txBody>
+      </p:sp>
+      <p:sp>
+        <p:nvSpPr>
+          <p:cNvPr id="6" name="Tijdelijke aanduiding voor dianummer 5">
+            <a:extLst>
+              <a:ext uri="{FF2B5EF4-FFF2-40B4-BE49-F238E27FC236}">
+                <a16:creationId xmlns:a16="http://schemas.microsoft.com/office/drawing/2014/main" id="{B7EA1C3A-A989-9844-6B74-E6BEFDAFA08F}"/>
               </a:ext>
             </a:extLst>
           </p:cNvPr>
@@ -4285,17 +4454,88 @@
           <a:lstStyle/>
           <a:p>
             <a:fld id="{70C12960-6E85-460F-B6E3-5B82CB31AF3D}" type="slidenum">
-              <a:rPr lang="en-US" dirty="0"/>
+              <a:rPr lang="en-US" smtClean="0"/>
               <a:t>6</a:t>
             </a:fld>
             <a:endParaRPr lang="en-US" dirty="0"/>
           </a:p>
         </p:txBody>
       </p:sp>
+      <p:pic>
+        <p:nvPicPr>
+          <p:cNvPr id="8" name="Tijdelijke aanduiding voor inhoud 7" descr="Afbeelding met tekst, schermopname, Lettertype, menu&#10;&#10;Door AI gegenereerde inhoud is mogelijk onjuist.">
+            <a:extLst>
+              <a:ext uri="{FF2B5EF4-FFF2-40B4-BE49-F238E27FC236}">
+                <a16:creationId xmlns:a16="http://schemas.microsoft.com/office/drawing/2014/main" id="{EBB68EA4-DEF2-3AAA-D82B-72A322CFEF25}"/>
+              </a:ext>
+            </a:extLst>
+          </p:cNvPr>
+          <p:cNvPicPr>
+            <a:picLocks noGrp="1" noChangeAspect="1"/>
+          </p:cNvPicPr>
+          <p:nvPr>
+            <p:ph idx="1"/>
+          </p:nvPr>
+        </p:nvPicPr>
+        <p:blipFill>
+          <a:blip r:embed="rId2">
+            <a:extLst>
+              <a:ext uri="{28A0092B-C50C-407E-A947-70E740481C1C}">
+                <a14:useLocalDpi xmlns:a14="http://schemas.microsoft.com/office/drawing/2010/main" val="0"/>
+              </a:ext>
+            </a:extLst>
+          </a:blip>
+          <a:stretch>
+            <a:fillRect/>
+          </a:stretch>
+        </p:blipFill>
+        <p:spPr>
+          <a:xfrm>
+            <a:off x="335946" y="2263345"/>
+            <a:ext cx="6639764" cy="4093005"/>
+          </a:xfrm>
+        </p:spPr>
+      </p:pic>
+      <p:pic>
+        <p:nvPicPr>
+          <p:cNvPr id="10" name="Afbeelding 9" descr="Afbeelding met tekst, schermopname, menu, Lettertype&#10;&#10;Door AI gegenereerde inhoud is mogelijk onjuist.">
+            <a:extLst>
+              <a:ext uri="{FF2B5EF4-FFF2-40B4-BE49-F238E27FC236}">
+                <a16:creationId xmlns:a16="http://schemas.microsoft.com/office/drawing/2014/main" id="{54974A5C-3BBD-885E-93EF-4EF08EB2E620}"/>
+              </a:ext>
+            </a:extLst>
+          </p:cNvPr>
+          <p:cNvPicPr>
+            <a:picLocks noChangeAspect="1"/>
+          </p:cNvPicPr>
+          <p:nvPr/>
+        </p:nvPicPr>
+        <p:blipFill>
+          <a:blip r:embed="rId3">
+            <a:extLst>
+              <a:ext uri="{28A0092B-C50C-407E-A947-70E740481C1C}">
+                <a14:useLocalDpi xmlns:a14="http://schemas.microsoft.com/office/drawing/2010/main" val="0"/>
+              </a:ext>
+            </a:extLst>
+          </a:blip>
+          <a:stretch>
+            <a:fillRect/>
+          </a:stretch>
+        </p:blipFill>
+        <p:spPr>
+          <a:xfrm>
+            <a:off x="6231421" y="2975313"/>
+            <a:ext cx="6760134" cy="3382963"/>
+          </a:xfrm>
+          <a:prstGeom prst="rect">
+            <a:avLst/>
+          </a:prstGeom>
+        </p:spPr>
+      </p:pic>
     </p:spTree>
     <p:extLst>
       <p:ext uri="{BB962C8B-B14F-4D97-AF65-F5344CB8AC3E}">
-        <p14:creationId xmlns:p14="http://schemas.microsoft.com/office/powerpoint/2010/main" val="3295584905"/>
+        <p14:creationId xmlns:p14="http://schemas.microsoft.com/office/powerpoint/2010/main" val="2569213784"/>
       </p:ext>
     </p:extLst>
   </p:cSld>
@@ -4327,6 +4567,364 @@
           <p:cNvPr id="2" name="Title 1">
             <a:extLst>
               <a:ext uri="{FF2B5EF4-FFF2-40B4-BE49-F238E27FC236}">
+                <a16:creationId xmlns:a16="http://schemas.microsoft.com/office/drawing/2014/main" id="{982D11FB-8DFA-E6E5-CB1E-B4D837F72468}"/>
+              </a:ext>
+            </a:extLst>
+          </p:cNvPr>
+          <p:cNvSpPr>
+            <a:spLocks noGrp="1"/>
+          </p:cNvSpPr>
+          <p:nvPr>
+            <p:ph type="title"/>
+          </p:nvPr>
+        </p:nvSpPr>
+        <p:spPr/>
+        <p:txBody>
+          <a:bodyPr/>
+          <a:lstStyle/>
+          <a:p>
+            <a:r>
+              <a:rPr lang="en-US" dirty="0" err="1"/>
+              <a:t>Afspraken</a:t>
+            </a:r>
+          </a:p>
+        </p:txBody>
+      </p:sp>
+      <p:sp>
+        <p:nvSpPr>
+          <p:cNvPr id="3" name="Content Placeholder 2">
+            <a:extLst>
+              <a:ext uri="{FF2B5EF4-FFF2-40B4-BE49-F238E27FC236}">
+                <a16:creationId xmlns:a16="http://schemas.microsoft.com/office/drawing/2014/main" id="{3DD5F97B-72DC-DA4F-C5E4-AF3A1B4E6099}"/>
+              </a:ext>
+            </a:extLst>
+          </p:cNvPr>
+          <p:cNvSpPr>
+            <a:spLocks noGrp="1"/>
+          </p:cNvSpPr>
+          <p:nvPr>
+            <p:ph idx="1"/>
+          </p:nvPr>
+        </p:nvSpPr>
+        <p:spPr/>
+        <p:txBody>
+          <a:bodyPr vert="horz" lIns="91440" tIns="45720" rIns="91440" bIns="45720" rtlCol="0" anchor="t">
+            <a:normAutofit/>
+          </a:bodyPr>
+          <a:lstStyle/>
+          <a:p>
+            <a:r>
+              <a:rPr lang="en-US" dirty="0" err="1"/>
+              <a:t>Dinsdag</a:t>
+            </a:r>
+            <a:r>
+              <a:rPr lang="en-US" dirty="0"/>
+              <a:t> </a:t>
+            </a:r>
+            <a:r>
+              <a:rPr lang="en-US" dirty="0" err="1"/>
+              <a:t>en</a:t>
+            </a:r>
+            <a:r>
+              <a:rPr lang="en-US" dirty="0"/>
+              <a:t> </a:t>
+            </a:r>
+            <a:r>
+              <a:rPr lang="en-US" dirty="0" err="1"/>
+              <a:t>donderdag</a:t>
+            </a:r>
+            <a:r>
+              <a:rPr lang="en-US" dirty="0"/>
+              <a:t> </a:t>
+            </a:r>
+            <a:r>
+              <a:rPr lang="en-US" dirty="0" err="1"/>
+              <a:t>aanwezig</a:t>
+            </a:r>
+          </a:p>
+          <a:p>
+            <a:r>
+              <a:rPr lang="en-US" dirty="0" err="1"/>
+              <a:t>Afwezigheid</a:t>
+            </a:r>
+            <a:r>
+              <a:rPr lang="en-US" dirty="0"/>
+              <a:t> --&gt; </a:t>
+            </a:r>
+            <a:r>
+              <a:rPr lang="en-US" dirty="0" err="1"/>
+              <a:t>bericht</a:t>
+            </a:r>
+            <a:endParaRPr lang="en-US" dirty="0"/>
+          </a:p>
+          <a:p>
+            <a:r>
+              <a:rPr lang="en-US" dirty="0"/>
+              <a:t>2e </a:t>
+            </a:r>
+            <a:r>
+              <a:rPr lang="en-US" dirty="0" err="1"/>
+              <a:t>dinsdag</a:t>
+            </a:r>
+            <a:r>
+              <a:rPr lang="en-US" dirty="0"/>
+              <a:t> </a:t>
+            </a:r>
+          </a:p>
+          <a:p>
+            <a:r>
+              <a:rPr lang="en-US" dirty="0"/>
+              <a:t>Email</a:t>
+            </a:r>
+          </a:p>
+          <a:p>
+            <a:endParaRPr lang="en-US" dirty="0"/>
+          </a:p>
+          <a:p>
+            <a:endParaRPr lang="en-US" dirty="0"/>
+          </a:p>
+        </p:txBody>
+      </p:sp>
+    </p:spTree>
+    <p:extLst>
+      <p:ext uri="{BB962C8B-B14F-4D97-AF65-F5344CB8AC3E}">
+        <p14:creationId xmlns:p14="http://schemas.microsoft.com/office/powerpoint/2010/main" val="4147467213"/>
+      </p:ext>
+    </p:extLst>
+  </p:cSld>
+  <p:clrMapOvr>
+    <a:masterClrMapping/>
+  </p:clrMapOvr>
+</p:sld>
+</file>
+
+<file path=ppt/slides/slide8.xml><?xml version="1.0" encoding="utf-8"?>
+<p:sld xmlns:a="http://schemas.openxmlformats.org/drawingml/2006/main" xmlns:r="http://schemas.openxmlformats.org/officeDocument/2006/relationships" xmlns:p="http://schemas.openxmlformats.org/presentationml/2006/main">
+  <p:cSld>
+    <p:spTree>
+      <p:nvGrpSpPr>
+        <p:cNvPr id="1" name=""/>
+        <p:cNvGrpSpPr/>
+        <p:nvPr/>
+      </p:nvGrpSpPr>
+      <p:grpSpPr>
+        <a:xfrm>
+          <a:off x="0" y="0"/>
+          <a:ext cx="0" cy="0"/>
+          <a:chOff x="0" y="0"/>
+          <a:chExt cx="0" cy="0"/>
+        </a:xfrm>
+      </p:grpSpPr>
+      <p:sp>
+        <p:nvSpPr>
+          <p:cNvPr id="2" name="Title 1">
+            <a:extLst>
+              <a:ext uri="{FF2B5EF4-FFF2-40B4-BE49-F238E27FC236}">
+                <a16:creationId xmlns:a16="http://schemas.microsoft.com/office/drawing/2014/main" id="{BCCD5226-A54B-FDF5-C7A6-4A13B621A747}"/>
+              </a:ext>
+            </a:extLst>
+          </p:cNvPr>
+          <p:cNvSpPr>
+            <a:spLocks noGrp="1"/>
+          </p:cNvSpPr>
+          <p:nvPr>
+            <p:ph type="title"/>
+          </p:nvPr>
+        </p:nvSpPr>
+        <p:spPr/>
+        <p:txBody>
+          <a:bodyPr/>
+          <a:lstStyle/>
+          <a:p>
+            <a:r>
+              <a:rPr lang="en-US" dirty="0" err="1"/>
+              <a:t>Projectbeheer</a:t>
+            </a:r>
+          </a:p>
+        </p:txBody>
+      </p:sp>
+      <p:sp>
+        <p:nvSpPr>
+          <p:cNvPr id="3" name="Content Placeholder 2">
+            <a:extLst>
+              <a:ext uri="{FF2B5EF4-FFF2-40B4-BE49-F238E27FC236}">
+                <a16:creationId xmlns:a16="http://schemas.microsoft.com/office/drawing/2014/main" id="{7C046C1D-D8CE-7F3A-2E51-2F917D758261}"/>
+              </a:ext>
+            </a:extLst>
+          </p:cNvPr>
+          <p:cNvSpPr>
+            <a:spLocks noGrp="1"/>
+          </p:cNvSpPr>
+          <p:nvPr>
+            <p:ph idx="1"/>
+          </p:nvPr>
+        </p:nvSpPr>
+        <p:spPr/>
+        <p:txBody>
+          <a:bodyPr vert="horz" lIns="91440" tIns="45720" rIns="91440" bIns="45720" rtlCol="0" anchor="t">
+            <a:normAutofit/>
+          </a:bodyPr>
+          <a:lstStyle/>
+          <a:p>
+            <a:r>
+              <a:rPr lang="en-US" dirty="0" err="1"/>
+              <a:t>Whatsapp</a:t>
+            </a:r>
+            <a:r>
+              <a:rPr lang="en-US" dirty="0"/>
+              <a:t> </a:t>
+            </a:r>
+          </a:p>
+          <a:p>
+            <a:r>
+              <a:rPr lang="en-US" dirty="0" err="1"/>
+              <a:t>Github</a:t>
+            </a:r>
+          </a:p>
+          <a:p>
+            <a:r>
+              <a:rPr lang="en-US" dirty="0"/>
+              <a:t>Trello</a:t>
+            </a:r>
+          </a:p>
+          <a:p>
+            <a:r>
+              <a:rPr lang="en-US" dirty="0"/>
+              <a:t>Scrum </a:t>
+            </a:r>
+            <a:r>
+              <a:rPr lang="en-US" dirty="0" err="1"/>
+              <a:t>rollen</a:t>
+            </a:r>
+            <a:endParaRPr lang="en-US" dirty="0"/>
+          </a:p>
+          <a:p>
+            <a:endParaRPr lang="en-US" dirty="0"/>
+          </a:p>
+        </p:txBody>
+      </p:sp>
+      <p:sp>
+        <p:nvSpPr>
+          <p:cNvPr id="4" name="Date Placeholder 3">
+            <a:extLst>
+              <a:ext uri="{FF2B5EF4-FFF2-40B4-BE49-F238E27FC236}">
+                <a16:creationId xmlns:a16="http://schemas.microsoft.com/office/drawing/2014/main" id="{46BD65DB-9414-19B6-E138-F4EA6B47D107}"/>
+              </a:ext>
+            </a:extLst>
+          </p:cNvPr>
+          <p:cNvSpPr>
+            <a:spLocks noGrp="1"/>
+          </p:cNvSpPr>
+          <p:nvPr>
+            <p:ph type="dt" sz="half" idx="10"/>
+          </p:nvPr>
+        </p:nvSpPr>
+        <p:spPr/>
+        <p:txBody>
+          <a:bodyPr/>
+          <a:lstStyle/>
+          <a:p>
+            <a:fld id="{8AB1322A-4B6B-4364-9AAB-99A976E59404}" type="datetime1">
+              <a:rPr lang="en-NL"/>
+              <a:t>09/16/2025</a:t>
+            </a:fld>
+            <a:endParaRPr lang="en-US" dirty="0"/>
+          </a:p>
+        </p:txBody>
+      </p:sp>
+      <p:sp>
+        <p:nvSpPr>
+          <p:cNvPr id="5" name="Footer Placeholder 4">
+            <a:extLst>
+              <a:ext uri="{FF2B5EF4-FFF2-40B4-BE49-F238E27FC236}">
+                <a16:creationId xmlns:a16="http://schemas.microsoft.com/office/drawing/2014/main" id="{A22D488E-D7E1-3E02-757E-BCF66BF70B93}"/>
+              </a:ext>
+            </a:extLst>
+          </p:cNvPr>
+          <p:cNvSpPr>
+            <a:spLocks noGrp="1"/>
+          </p:cNvSpPr>
+          <p:nvPr>
+            <p:ph type="ftr" sz="quarter" idx="11"/>
+          </p:nvPr>
+        </p:nvSpPr>
+        <p:spPr/>
+        <p:txBody>
+          <a:bodyPr/>
+          <a:lstStyle/>
+          <a:p>
+            <a:r>
+              <a:rPr lang="en-US" dirty="0"/>
+              <a:t>
+              </a:t>
+            </a:r>
+          </a:p>
+        </p:txBody>
+      </p:sp>
+      <p:sp>
+        <p:nvSpPr>
+          <p:cNvPr id="6" name="Slide Number Placeholder 5">
+            <a:extLst>
+              <a:ext uri="{FF2B5EF4-FFF2-40B4-BE49-F238E27FC236}">
+                <a16:creationId xmlns:a16="http://schemas.microsoft.com/office/drawing/2014/main" id="{152255B9-FBE3-EFEC-AC63-34BE06C5AE69}"/>
+              </a:ext>
+            </a:extLst>
+          </p:cNvPr>
+          <p:cNvSpPr>
+            <a:spLocks noGrp="1"/>
+          </p:cNvSpPr>
+          <p:nvPr>
+            <p:ph type="sldNum" sz="quarter" idx="12"/>
+          </p:nvPr>
+        </p:nvSpPr>
+        <p:spPr/>
+        <p:txBody>
+          <a:bodyPr/>
+          <a:lstStyle/>
+          <a:p>
+            <a:fld id="{70C12960-6E85-460F-B6E3-5B82CB31AF3D}" type="slidenum">
+              <a:rPr lang="en-US" dirty="0"/>
+              <a:t>8</a:t>
+            </a:fld>
+            <a:endParaRPr lang="en-US" dirty="0"/>
+          </a:p>
+        </p:txBody>
+      </p:sp>
+    </p:spTree>
+    <p:extLst>
+      <p:ext uri="{BB962C8B-B14F-4D97-AF65-F5344CB8AC3E}">
+        <p14:creationId xmlns:p14="http://schemas.microsoft.com/office/powerpoint/2010/main" val="3295584905"/>
+      </p:ext>
+    </p:extLst>
+  </p:cSld>
+  <p:clrMapOvr>
+    <a:masterClrMapping/>
+  </p:clrMapOvr>
+</p:sld>
+</file>
+
+<file path=ppt/slides/slide9.xml><?xml version="1.0" encoding="utf-8"?>
+<p:sld xmlns:a="http://schemas.openxmlformats.org/drawingml/2006/main" xmlns:r="http://schemas.openxmlformats.org/officeDocument/2006/relationships" xmlns:p="http://schemas.openxmlformats.org/presentationml/2006/main">
+  <p:cSld>
+    <p:spTree>
+      <p:nvGrpSpPr>
+        <p:cNvPr id="1" name=""/>
+        <p:cNvGrpSpPr/>
+        <p:nvPr/>
+      </p:nvGrpSpPr>
+      <p:grpSpPr>
+        <a:xfrm>
+          <a:off x="0" y="0"/>
+          <a:ext cx="0" cy="0"/>
+          <a:chOff x="0" y="0"/>
+          <a:chExt cx="0" cy="0"/>
+        </a:xfrm>
+      </p:grpSpPr>
+      <p:sp>
+        <p:nvSpPr>
+          <p:cNvPr id="2" name="Title 1">
+            <a:extLst>
+              <a:ext uri="{FF2B5EF4-FFF2-40B4-BE49-F238E27FC236}">
                 <a16:creationId xmlns:a16="http://schemas.microsoft.com/office/drawing/2014/main" id="{2F03E6ED-BEF6-952F-6626-07E77DAF0A8B}"/>
               </a:ext>
             </a:extLst>
@@ -4379,7 +4977,7 @@
             </a:pPr>
             <a:r>
               <a:rPr lang="en-US" dirty="0"/>
-              <a:t>Product backlog </a:t>
+              <a:t>Product backlog  </a:t>
             </a:r>
           </a:p>
           <a:p>
@@ -4389,12 +4987,17 @@
             </a:pPr>
             <a:r>
               <a:rPr lang="en-US" dirty="0" err="1"/>
-              <a:t>Verslagen</a:t>
-            </a:r>
-            <a:r>
-              <a:rPr lang="en-US" dirty="0"/>
-              <a:t> </a:t>
-            </a:r>
+              <a:t>Samenwerkingsovereenkomst</a:t>
+            </a:r>
+            <a:r>
+              <a:rPr lang="en-US" dirty="0"/>
+              <a:t> </a:t>
+            </a:r>
+            <a:r>
+              <a:rPr lang="en-US" dirty="0" err="1"/>
+              <a:t>afmaken</a:t>
+            </a:r>
+            <a:endParaRPr lang="en-US" dirty="0"/>
           </a:p>
           <a:p>
             <a:pPr>
@@ -4490,7 +5093,7 @@
           <a:p>
             <a:fld id="{A009CFAB-F07A-49CB-AB17-80CD7B62C511}" type="datetime1">
               <a:rPr lang="en-NL"/>
-              <a:t>16/09/2025</a:t>
+              <a:t>09/16/2025</a:t>
             </a:fld>
             <a:endParaRPr lang="en-US" dirty="0"/>
           </a:p>
@@ -4548,7 +5151,7 @@
           <a:p>
             <a:fld id="{70C12960-6E85-460F-B6E3-5B82CB31AF3D}" type="slidenum">
               <a:rPr lang="en-US" dirty="0"/>
-              <a:t>7</a:t>
+              <a:t>9</a:t>
             </a:fld>
             <a:endParaRPr lang="en-US" dirty="0"/>
           </a:p>
